--- a/會議簡報.pptx
+++ b/會議簡報.pptx
@@ -8,6 +8,8 @@
     <p:sldId id="256" r:id="rId2"/>
     <p:sldId id="257" r:id="rId3"/>
     <p:sldId id="258" r:id="rId4"/>
+    <p:sldId id="259" r:id="rId5"/>
+    <p:sldId id="260" r:id="rId6"/>
   </p:sldIdLst>
   <p:sldSz cx="12192000" cy="6858000"/>
   <p:notesSz cx="6858000" cy="9144000"/>
@@ -3754,12 +3756,12 @@
               <a:t>:</a:t>
             </a:r>
             <a:r>
-              <a:rPr lang="zh-TW" altLang="en-US">
+              <a:rPr lang="zh-TW" altLang="en-US" dirty="0">
                 <a:hlinkClick r:id="rId2"/>
               </a:rPr>
               <a:t>氣象預報</a:t>
             </a:r>
-            <a:endParaRPr lang="zh-TW" altLang="en-US"/>
+            <a:endParaRPr lang="zh-TW" altLang="en-US" dirty="0"/>
           </a:p>
         </p:txBody>
       </p:sp>
@@ -4614,6 +4616,451 @@
     <p:extLst>
       <p:ext uri="{BB962C8B-B14F-4D97-AF65-F5344CB8AC3E}">
         <p14:creationId xmlns:p14="http://schemas.microsoft.com/office/powerpoint/2010/main" val="915987100"/>
+      </p:ext>
+    </p:extLst>
+  </p:cSld>
+  <p:clrMapOvr>
+    <a:masterClrMapping/>
+  </p:clrMapOvr>
+</p:sld>
+</file>
+
+<file path=ppt/slides/slide4.xml><?xml version="1.0" encoding="utf-8"?>
+<p:sld xmlns:a="http://schemas.openxmlformats.org/drawingml/2006/main" xmlns:r="http://schemas.openxmlformats.org/officeDocument/2006/relationships" xmlns:p="http://schemas.openxmlformats.org/presentationml/2006/main">
+  <p:cSld>
+    <p:spTree>
+      <p:nvGrpSpPr>
+        <p:cNvPr id="1" name=""/>
+        <p:cNvGrpSpPr/>
+        <p:nvPr/>
+      </p:nvGrpSpPr>
+      <p:grpSpPr>
+        <a:xfrm>
+          <a:off x="0" y="0"/>
+          <a:ext cx="0" cy="0"/>
+          <a:chOff x="0" y="0"/>
+          <a:chExt cx="0" cy="0"/>
+        </a:xfrm>
+      </p:grpSpPr>
+      <p:sp>
+        <p:nvSpPr>
+          <p:cNvPr id="2" name="標題 1">
+            <a:extLst>
+              <a:ext uri="{FF2B5EF4-FFF2-40B4-BE49-F238E27FC236}">
+                <a16:creationId xmlns:a16="http://schemas.microsoft.com/office/drawing/2014/main" id="{28435DA7-4390-ABD2-6128-5C37CCD22EBA}"/>
+              </a:ext>
+            </a:extLst>
+          </p:cNvPr>
+          <p:cNvSpPr>
+            <a:spLocks noGrp="1"/>
+          </p:cNvSpPr>
+          <p:nvPr>
+            <p:ph type="title"/>
+          </p:nvPr>
+        </p:nvSpPr>
+        <p:spPr/>
+        <p:txBody>
+          <a:bodyPr/>
+          <a:lstStyle/>
+          <a:p>
+            <a:r>
+              <a:rPr lang="zh-TW" altLang="en-US" dirty="0"/>
+              <a:t>分工</a:t>
+            </a:r>
+          </a:p>
+        </p:txBody>
+      </p:sp>
+      <p:sp>
+        <p:nvSpPr>
+          <p:cNvPr id="3" name="內容版面配置區 2">
+            <a:extLst>
+              <a:ext uri="{FF2B5EF4-FFF2-40B4-BE49-F238E27FC236}">
+                <a16:creationId xmlns:a16="http://schemas.microsoft.com/office/drawing/2014/main" id="{B90A32A2-3ED5-7303-1E34-08378F5B5068}"/>
+              </a:ext>
+            </a:extLst>
+          </p:cNvPr>
+          <p:cNvSpPr>
+            <a:spLocks noGrp="1"/>
+          </p:cNvSpPr>
+          <p:nvPr>
+            <p:ph idx="1"/>
+          </p:nvPr>
+        </p:nvSpPr>
+        <p:spPr/>
+        <p:txBody>
+          <a:bodyPr/>
+          <a:lstStyle/>
+          <a:p>
+            <a:r>
+              <a:rPr lang="zh-TW" altLang="en-US" dirty="0"/>
+              <a:t>程式</a:t>
+            </a:r>
+            <a:r>
+              <a:rPr lang="en-US" altLang="zh-TW" dirty="0"/>
+              <a:t>-</a:t>
+            </a:r>
+            <a:r>
+              <a:rPr lang="zh-TW" altLang="en-US" dirty="0"/>
+              <a:t>蒐集</a:t>
+            </a:r>
+            <a:r>
+              <a:rPr lang="en-US" altLang="zh-TW" dirty="0"/>
+              <a:t>(</a:t>
+            </a:r>
+            <a:r>
+              <a:rPr lang="zh-TW" altLang="en-US" b="0" i="0" dirty="0">
+                <a:solidFill>
+                  <a:srgbClr val="202124"/>
+                </a:solidFill>
+                <a:effectLst/>
+                <a:latin typeface="Google Sans"/>
+              </a:rPr>
+              <a:t>詹秉蒼</a:t>
+            </a:r>
+            <a:r>
+              <a:rPr lang="en-US" altLang="zh-TW" b="0" i="0" dirty="0">
+                <a:solidFill>
+                  <a:srgbClr val="202124"/>
+                </a:solidFill>
+                <a:effectLst/>
+                <a:latin typeface="Google Sans"/>
+              </a:rPr>
+              <a:t>):</a:t>
+            </a:r>
+            <a:r>
+              <a:rPr lang="zh-TW" altLang="en-US" b="0" i="0" dirty="0">
+                <a:solidFill>
+                  <a:srgbClr val="202124"/>
+                </a:solidFill>
+                <a:effectLst/>
+                <a:latin typeface="Google Sans"/>
+              </a:rPr>
+              <a:t>縣市級</a:t>
+            </a:r>
+            <a:r>
+              <a:rPr lang="en-US" altLang="zh-TW" b="0" i="0" dirty="0">
+                <a:solidFill>
+                  <a:srgbClr val="202124"/>
+                </a:solidFill>
+                <a:effectLst/>
+                <a:latin typeface="Google Sans"/>
+              </a:rPr>
+              <a:t>-</a:t>
+            </a:r>
+            <a:r>
+              <a:rPr lang="zh-TW" altLang="en-US" b="0" i="0" dirty="0">
+                <a:solidFill>
+                  <a:srgbClr val="202124"/>
+                </a:solidFill>
+                <a:effectLst/>
+                <a:latin typeface="Google Sans"/>
+              </a:rPr>
+              <a:t>天氣、溫度、濕度、小幫手、</a:t>
+            </a:r>
+            <a:r>
+              <a:rPr lang="en-US" altLang="zh-TW" b="0" i="0" dirty="0">
+                <a:solidFill>
+                  <a:srgbClr val="202124"/>
+                </a:solidFill>
+                <a:effectLst/>
+                <a:latin typeface="Google Sans"/>
+              </a:rPr>
+              <a:t>7</a:t>
+            </a:r>
+            <a:r>
+              <a:rPr lang="zh-TW" altLang="en-US" b="0" i="0" dirty="0">
+                <a:solidFill>
+                  <a:srgbClr val="202124"/>
+                </a:solidFill>
+                <a:effectLst/>
+                <a:latin typeface="Google Sans"/>
+              </a:rPr>
+              <a:t>天</a:t>
+            </a:r>
+            <a:endParaRPr lang="en-US" altLang="zh-TW" b="0" i="0" dirty="0">
+              <a:solidFill>
+                <a:srgbClr val="202124"/>
+              </a:solidFill>
+              <a:effectLst/>
+              <a:latin typeface="Google Sans"/>
+            </a:endParaRPr>
+          </a:p>
+          <a:p>
+            <a:r>
+              <a:rPr lang="zh-TW" altLang="en-US" dirty="0">
+                <a:solidFill>
+                  <a:srgbClr val="202124"/>
+                </a:solidFill>
+                <a:latin typeface="Google Sans"/>
+              </a:rPr>
+              <a:t>程式</a:t>
+            </a:r>
+            <a:r>
+              <a:rPr lang="en-US" altLang="zh-TW" dirty="0">
+                <a:solidFill>
+                  <a:srgbClr val="202124"/>
+                </a:solidFill>
+                <a:latin typeface="Google Sans"/>
+              </a:rPr>
+              <a:t>-</a:t>
+            </a:r>
+            <a:r>
+              <a:rPr lang="zh-TW" altLang="en-US" dirty="0">
+                <a:solidFill>
+                  <a:srgbClr val="202124"/>
+                </a:solidFill>
+                <a:latin typeface="Google Sans"/>
+              </a:rPr>
+              <a:t>處理</a:t>
+            </a:r>
+            <a:r>
+              <a:rPr lang="en-US" altLang="zh-TW" dirty="0">
+                <a:solidFill>
+                  <a:srgbClr val="202124"/>
+                </a:solidFill>
+                <a:latin typeface="Google Sans"/>
+              </a:rPr>
+              <a:t>(</a:t>
+            </a:r>
+            <a:r>
+              <a:rPr lang="zh-TW" altLang="en-US" b="0" i="0" dirty="0">
+                <a:solidFill>
+                  <a:srgbClr val="202124"/>
+                </a:solidFill>
+                <a:effectLst/>
+                <a:latin typeface="Google Sans"/>
+              </a:rPr>
+              <a:t>張心齡</a:t>
+            </a:r>
+            <a:r>
+              <a:rPr lang="en-US" altLang="zh-TW" dirty="0">
+                <a:solidFill>
+                  <a:srgbClr val="202124"/>
+                </a:solidFill>
+                <a:latin typeface="Google Sans"/>
+              </a:rPr>
+              <a:t>):</a:t>
+            </a:r>
+            <a:r>
+              <a:rPr lang="zh-TW" altLang="en-US" dirty="0">
+                <a:solidFill>
+                  <a:srgbClr val="202124"/>
+                </a:solidFill>
+                <a:latin typeface="Google Sans"/>
+              </a:rPr>
+              <a:t>整理格式</a:t>
+            </a:r>
+            <a:endParaRPr lang="en-US" altLang="zh-TW" dirty="0"/>
+          </a:p>
+          <a:p>
+            <a:r>
+              <a:rPr lang="zh-TW" altLang="en-US" dirty="0"/>
+              <a:t>程式</a:t>
+            </a:r>
+            <a:r>
+              <a:rPr lang="en-US" altLang="zh-TW" dirty="0"/>
+              <a:t>-</a:t>
+            </a:r>
+            <a:r>
+              <a:rPr lang="zh-TW" altLang="en-US" dirty="0"/>
+              <a:t>呈現</a:t>
+            </a:r>
+            <a:r>
+              <a:rPr lang="en-US" altLang="zh-TW" dirty="0"/>
+              <a:t>(</a:t>
+            </a:r>
+            <a:r>
+              <a:rPr lang="zh-TW" altLang="en-US" dirty="0"/>
+              <a:t>劉彥翎、傅柏凱</a:t>
+            </a:r>
+            <a:r>
+              <a:rPr lang="en-US" altLang="zh-TW" dirty="0"/>
+              <a:t>)</a:t>
+            </a:r>
+          </a:p>
+          <a:p>
+            <a:r>
+              <a:rPr lang="zh-TW" altLang="en-US" dirty="0"/>
+              <a:t>報告</a:t>
+            </a:r>
+            <a:r>
+              <a:rPr lang="en-US" altLang="zh-TW" dirty="0"/>
+              <a:t>(</a:t>
+            </a:r>
+            <a:r>
+              <a:rPr lang="zh-TW" altLang="en-US" dirty="0"/>
+              <a:t>陳銘泓</a:t>
+            </a:r>
+            <a:r>
+              <a:rPr lang="en-US" altLang="zh-TW" dirty="0"/>
+              <a:t>)+PPT(</a:t>
+            </a:r>
+            <a:r>
+              <a:rPr lang="zh-TW" altLang="en-US" b="0" i="0" dirty="0">
+                <a:solidFill>
+                  <a:srgbClr val="202124"/>
+                </a:solidFill>
+                <a:effectLst/>
+                <a:latin typeface="Google Sans"/>
+              </a:rPr>
+              <a:t>羅若嘉</a:t>
+            </a:r>
+            <a:r>
+              <a:rPr lang="en-US" altLang="zh-TW" b="0" i="0" dirty="0">
+                <a:solidFill>
+                  <a:srgbClr val="202124"/>
+                </a:solidFill>
+                <a:effectLst/>
+                <a:latin typeface="Google Sans"/>
+              </a:rPr>
+              <a:t>+</a:t>
+            </a:r>
+            <a:r>
+              <a:rPr lang="zh-TW" altLang="en-US" dirty="0"/>
+              <a:t>陳銘泓</a:t>
+            </a:r>
+            <a:r>
+              <a:rPr lang="en-US" altLang="zh-TW" dirty="0"/>
+              <a:t>)</a:t>
+            </a:r>
+          </a:p>
+          <a:p>
+            <a:r>
+              <a:rPr lang="zh-TW" altLang="en-US" dirty="0"/>
+              <a:t>文書報告</a:t>
+            </a:r>
+            <a:r>
+              <a:rPr lang="en-US" altLang="zh-TW" dirty="0"/>
+              <a:t>(</a:t>
+            </a:r>
+            <a:r>
+              <a:rPr lang="zh-TW" altLang="en-US" dirty="0"/>
+              <a:t>傅柏凱</a:t>
+            </a:r>
+            <a:r>
+              <a:rPr lang="en-US" altLang="zh-TW" dirty="0"/>
+              <a:t>)</a:t>
+            </a:r>
+            <a:r>
+              <a:rPr lang="zh-TW" altLang="en-US" dirty="0"/>
+              <a:t>開發文件、使用手冊</a:t>
+            </a:r>
+          </a:p>
+        </p:txBody>
+      </p:sp>
+    </p:spTree>
+    <p:extLst>
+      <p:ext uri="{BB962C8B-B14F-4D97-AF65-F5344CB8AC3E}">
+        <p14:creationId xmlns:p14="http://schemas.microsoft.com/office/powerpoint/2010/main" val="815669188"/>
+      </p:ext>
+    </p:extLst>
+  </p:cSld>
+  <p:clrMapOvr>
+    <a:masterClrMapping/>
+  </p:clrMapOvr>
+</p:sld>
+</file>
+
+<file path=ppt/slides/slide5.xml><?xml version="1.0" encoding="utf-8"?>
+<p:sld xmlns:a="http://schemas.openxmlformats.org/drawingml/2006/main" xmlns:r="http://schemas.openxmlformats.org/officeDocument/2006/relationships" xmlns:p="http://schemas.openxmlformats.org/presentationml/2006/main">
+  <p:cSld>
+    <p:spTree>
+      <p:nvGrpSpPr>
+        <p:cNvPr id="1" name=""/>
+        <p:cNvGrpSpPr/>
+        <p:nvPr/>
+      </p:nvGrpSpPr>
+      <p:grpSpPr>
+        <a:xfrm>
+          <a:off x="0" y="0"/>
+          <a:ext cx="0" cy="0"/>
+          <a:chOff x="0" y="0"/>
+          <a:chExt cx="0" cy="0"/>
+        </a:xfrm>
+      </p:grpSpPr>
+      <p:sp>
+        <p:nvSpPr>
+          <p:cNvPr id="2" name="標題 1">
+            <a:extLst>
+              <a:ext uri="{FF2B5EF4-FFF2-40B4-BE49-F238E27FC236}">
+                <a16:creationId xmlns:a16="http://schemas.microsoft.com/office/drawing/2014/main" id="{693A9DF1-98D9-E8EE-3145-0DE982ACA109}"/>
+              </a:ext>
+            </a:extLst>
+          </p:cNvPr>
+          <p:cNvSpPr>
+            <a:spLocks noGrp="1"/>
+          </p:cNvSpPr>
+          <p:nvPr>
+            <p:ph type="title"/>
+          </p:nvPr>
+        </p:nvSpPr>
+        <p:spPr/>
+        <p:txBody>
+          <a:bodyPr/>
+          <a:lstStyle/>
+          <a:p>
+            <a:r>
+              <a:rPr lang="zh-TW" altLang="en-US" dirty="0"/>
+              <a:t>會議時間</a:t>
+            </a:r>
+          </a:p>
+        </p:txBody>
+      </p:sp>
+      <p:sp>
+        <p:nvSpPr>
+          <p:cNvPr id="3" name="內容版面配置區 2">
+            <a:extLst>
+              <a:ext uri="{FF2B5EF4-FFF2-40B4-BE49-F238E27FC236}">
+                <a16:creationId xmlns:a16="http://schemas.microsoft.com/office/drawing/2014/main" id="{0AE127CD-FBCC-C002-1B30-9FDE5577A2A7}"/>
+              </a:ext>
+            </a:extLst>
+          </p:cNvPr>
+          <p:cNvSpPr>
+            <a:spLocks noGrp="1"/>
+          </p:cNvSpPr>
+          <p:nvPr>
+            <p:ph idx="1"/>
+          </p:nvPr>
+        </p:nvSpPr>
+        <p:spPr/>
+        <p:txBody>
+          <a:bodyPr/>
+          <a:lstStyle/>
+          <a:p>
+            <a:r>
+              <a:rPr lang="en-US" altLang="zh-TW" dirty="0"/>
+              <a:t>25/04/21</a:t>
+            </a:r>
+            <a:r>
+              <a:rPr lang="zh-TW" altLang="en-US" dirty="0"/>
+              <a:t> </a:t>
+            </a:r>
+            <a:r>
+              <a:rPr lang="en-US" altLang="zh-TW" dirty="0"/>
+              <a:t>19:00</a:t>
+            </a:r>
+          </a:p>
+          <a:p>
+            <a:r>
+              <a:rPr lang="en-US" altLang="zh-TW" dirty="0"/>
+              <a:t>25/04/28</a:t>
+            </a:r>
+            <a:r>
+              <a:rPr lang="zh-TW" altLang="en-US" dirty="0"/>
+              <a:t> </a:t>
+            </a:r>
+            <a:r>
+              <a:rPr lang="en-US" altLang="zh-TW" dirty="0"/>
+              <a:t>19:00</a:t>
+            </a:r>
+            <a:endParaRPr lang="zh-TW" altLang="en-US" dirty="0"/>
+          </a:p>
+        </p:txBody>
+      </p:sp>
+    </p:spTree>
+    <p:extLst>
+      <p:ext uri="{BB962C8B-B14F-4D97-AF65-F5344CB8AC3E}">
+        <p14:creationId xmlns:p14="http://schemas.microsoft.com/office/powerpoint/2010/main" val="4085159257"/>
       </p:ext>
     </p:extLst>
   </p:cSld>

--- a/會議簡報.pptx
+++ b/會議簡報.pptx
@@ -4945,6 +4945,119 @@
               <a:rPr lang="zh-TW" altLang="en-US" dirty="0"/>
               <a:t>開發文件、使用手冊</a:t>
             </a:r>
+            <a:endParaRPr lang="en-US" altLang="zh-TW" dirty="0"/>
+          </a:p>
+          <a:p>
+            <a:endParaRPr lang="en-US" altLang="zh-TW" dirty="0"/>
+          </a:p>
+          <a:p>
+            <a:r>
+              <a:rPr lang="zh-TW" altLang="en-US" dirty="0">
+                <a:solidFill>
+                  <a:srgbClr val="0070C0"/>
+                </a:solidFill>
+              </a:rPr>
+              <a:t>劉彥翎</a:t>
+            </a:r>
+            <a:r>
+              <a:rPr lang="en-US" altLang="zh-TW" dirty="0">
+                <a:solidFill>
+                  <a:srgbClr val="0070C0"/>
+                </a:solidFill>
+              </a:rPr>
+              <a:t>=Lindsay</a:t>
+            </a:r>
+            <a:r>
+              <a:rPr lang="zh-TW" altLang="en-US" dirty="0">
+                <a:solidFill>
+                  <a:srgbClr val="0070C0"/>
+                </a:solidFill>
+              </a:rPr>
+              <a:t>、傅柏凱</a:t>
+            </a:r>
+            <a:r>
+              <a:rPr lang="en-US" altLang="zh-TW" dirty="0">
+                <a:solidFill>
+                  <a:srgbClr val="0070C0"/>
+                </a:solidFill>
+              </a:rPr>
+              <a:t>=</a:t>
+            </a:r>
+            <a:r>
+              <a:rPr lang="en-US" altLang="zh-TW" dirty="0" err="1">
+                <a:solidFill>
+                  <a:srgbClr val="0070C0"/>
+                </a:solidFill>
+              </a:rPr>
+              <a:t>ThomasFu</a:t>
+            </a:r>
+            <a:r>
+              <a:rPr lang="zh-TW" altLang="en-US" dirty="0">
+                <a:solidFill>
+                  <a:srgbClr val="0070C0"/>
+                </a:solidFill>
+              </a:rPr>
+              <a:t>、陳銘泓</a:t>
+            </a:r>
+            <a:r>
+              <a:rPr lang="en-US" altLang="zh-TW" dirty="0">
+                <a:solidFill>
+                  <a:srgbClr val="0070C0"/>
+                </a:solidFill>
+              </a:rPr>
+              <a:t>=Mark</a:t>
+            </a:r>
+          </a:p>
+          <a:p>
+            <a:r>
+              <a:rPr lang="zh-TW" altLang="en-US" b="0" i="0" dirty="0">
+                <a:solidFill>
+                  <a:srgbClr val="0070C0"/>
+                </a:solidFill>
+                <a:effectLst/>
+                <a:latin typeface="Google Sans"/>
+              </a:rPr>
+              <a:t>張心齡</a:t>
+            </a:r>
+            <a:r>
+              <a:rPr lang="en-US" altLang="zh-TW" dirty="0">
+                <a:solidFill>
+                  <a:srgbClr val="0070C0"/>
+                </a:solidFill>
+              </a:rPr>
+              <a:t>=Cindy</a:t>
+            </a:r>
+            <a:r>
+              <a:rPr lang="zh-TW" altLang="en-US" dirty="0">
+                <a:solidFill>
+                  <a:srgbClr val="0070C0"/>
+                </a:solidFill>
+              </a:rPr>
+              <a:t>、</a:t>
+            </a:r>
+            <a:r>
+              <a:rPr lang="zh-TW" altLang="en-US" b="0" i="0" dirty="0">
+                <a:solidFill>
+                  <a:srgbClr val="0070C0"/>
+                </a:solidFill>
+                <a:effectLst/>
+                <a:latin typeface="Google Sans"/>
+              </a:rPr>
+              <a:t>詹秉蒼</a:t>
+            </a:r>
+            <a:r>
+              <a:rPr lang="en-US" altLang="zh-TW" dirty="0">
+                <a:solidFill>
+                  <a:srgbClr val="0070C0"/>
+                </a:solidFill>
+              </a:rPr>
+              <a:t>=Ocean</a:t>
+            </a:r>
+            <a:endParaRPr lang="zh-TW" altLang="en-US" dirty="0">
+              <a:solidFill>
+                <a:srgbClr val="0070C0"/>
+              </a:solidFill>
+            </a:endParaRPr>
           </a:p>
         </p:txBody>
       </p:sp>
